--- a/lecture-presentations/2019-01-24.pptx
+++ b/lecture-presentations/2019-01-24.pptx
@@ -206,7 +206,7 @@
           <a:p>
             <a:fld id="{A677DEB0-5AA4-49C7-B0AD-AD047A002C4C}" type="datetimeFigureOut">
               <a:rPr lang="en-US" smtClean="0"/>
-              <a:t>1/23/2019</a:t>
+              <a:t>1/24/2019</a:t>
             </a:fld>
             <a:endParaRPr lang="en-US"/>
           </a:p>
@@ -1376,7 +1376,7 @@
           <a:p>
             <a:fld id="{1B52E0E1-344B-4E26-B5AD-CE86AB802485}" type="datetimeFigureOut">
               <a:rPr lang="en-US" smtClean="0"/>
-              <a:t>1/23/2019</a:t>
+              <a:t>1/24/2019</a:t>
             </a:fld>
             <a:endParaRPr lang="en-US"/>
           </a:p>
@@ -1574,7 +1574,7 @@
           <a:p>
             <a:fld id="{1B52E0E1-344B-4E26-B5AD-CE86AB802485}" type="datetimeFigureOut">
               <a:rPr lang="en-US" smtClean="0"/>
-              <a:t>1/23/2019</a:t>
+              <a:t>1/24/2019</a:t>
             </a:fld>
             <a:endParaRPr lang="en-US"/>
           </a:p>
@@ -1782,7 +1782,7 @@
           <a:p>
             <a:fld id="{1B52E0E1-344B-4E26-B5AD-CE86AB802485}" type="datetimeFigureOut">
               <a:rPr lang="en-US" smtClean="0"/>
-              <a:t>1/23/2019</a:t>
+              <a:t>1/24/2019</a:t>
             </a:fld>
             <a:endParaRPr lang="en-US"/>
           </a:p>
@@ -1980,7 +1980,7 @@
           <a:p>
             <a:fld id="{1B52E0E1-344B-4E26-B5AD-CE86AB802485}" type="datetimeFigureOut">
               <a:rPr lang="en-US" smtClean="0"/>
-              <a:t>1/23/2019</a:t>
+              <a:t>1/24/2019</a:t>
             </a:fld>
             <a:endParaRPr lang="en-US"/>
           </a:p>
@@ -2255,7 +2255,7 @@
           <a:p>
             <a:fld id="{1B52E0E1-344B-4E26-B5AD-CE86AB802485}" type="datetimeFigureOut">
               <a:rPr lang="en-US" smtClean="0"/>
-              <a:t>1/23/2019</a:t>
+              <a:t>1/24/2019</a:t>
             </a:fld>
             <a:endParaRPr lang="en-US"/>
           </a:p>
@@ -2520,7 +2520,7 @@
           <a:p>
             <a:fld id="{1B52E0E1-344B-4E26-B5AD-CE86AB802485}" type="datetimeFigureOut">
               <a:rPr lang="en-US" smtClean="0"/>
-              <a:t>1/23/2019</a:t>
+              <a:t>1/24/2019</a:t>
             </a:fld>
             <a:endParaRPr lang="en-US"/>
           </a:p>
@@ -2932,7 +2932,7 @@
           <a:p>
             <a:fld id="{1B52E0E1-344B-4E26-B5AD-CE86AB802485}" type="datetimeFigureOut">
               <a:rPr lang="en-US" smtClean="0"/>
-              <a:t>1/23/2019</a:t>
+              <a:t>1/24/2019</a:t>
             </a:fld>
             <a:endParaRPr lang="en-US"/>
           </a:p>
@@ -3073,7 +3073,7 @@
           <a:p>
             <a:fld id="{1B52E0E1-344B-4E26-B5AD-CE86AB802485}" type="datetimeFigureOut">
               <a:rPr lang="en-US" smtClean="0"/>
-              <a:t>1/23/2019</a:t>
+              <a:t>1/24/2019</a:t>
             </a:fld>
             <a:endParaRPr lang="en-US"/>
           </a:p>
@@ -3186,7 +3186,7 @@
           <a:p>
             <a:fld id="{1B52E0E1-344B-4E26-B5AD-CE86AB802485}" type="datetimeFigureOut">
               <a:rPr lang="en-US" smtClean="0"/>
-              <a:t>1/23/2019</a:t>
+              <a:t>1/24/2019</a:t>
             </a:fld>
             <a:endParaRPr lang="en-US"/>
           </a:p>
@@ -3497,7 +3497,7 @@
           <a:p>
             <a:fld id="{1B52E0E1-344B-4E26-B5AD-CE86AB802485}" type="datetimeFigureOut">
               <a:rPr lang="en-US" smtClean="0"/>
-              <a:t>1/23/2019</a:t>
+              <a:t>1/24/2019</a:t>
             </a:fld>
             <a:endParaRPr lang="en-US"/>
           </a:p>
@@ -3785,7 +3785,7 @@
           <a:p>
             <a:fld id="{1B52E0E1-344B-4E26-B5AD-CE86AB802485}" type="datetimeFigureOut">
               <a:rPr lang="en-US" smtClean="0"/>
-              <a:t>1/23/2019</a:t>
+              <a:t>1/24/2019</a:t>
             </a:fld>
             <a:endParaRPr lang="en-US"/>
           </a:p>
@@ -4026,7 +4026,7 @@
           <a:p>
             <a:fld id="{1B52E0E1-344B-4E26-B5AD-CE86AB802485}" type="datetimeFigureOut">
               <a:rPr lang="en-US" smtClean="0"/>
-              <a:t>1/23/2019</a:t>
+              <a:t>1/24/2019</a:t>
             </a:fld>
             <a:endParaRPr lang="en-US"/>
           </a:p>
@@ -4516,7 +4516,7 @@
         </p:spPr>
         <p:txBody>
           <a:bodyPr>
-            <a:normAutofit/>
+            <a:normAutofit lnSpcReduction="10000"/>
           </a:bodyPr>
           <a:lstStyle/>
           <a:p>
@@ -4554,12 +4554,8 @@
               <a:buAutoNum type="arabicPeriod"/>
             </a:pPr>
             <a:r>
-              <a:rPr lang="en-US" sz="2200"/>
-              <a:t>Q&amp;A: </a:t>
-            </a:r>
-            <a:r>
               <a:rPr lang="en-US" sz="2200" dirty="0"/>
-              <a:t>Concepts &amp; Practices</a:t>
+              <a:t>Q&amp;A: Concepts &amp; Practices</a:t>
             </a:r>
           </a:p>
           <a:p>
@@ -4580,6 +4576,16 @@
             <a:r>
               <a:rPr lang="en-US" sz="2200" dirty="0"/>
               <a:t>Q&amp;A: Principles</a:t>
+            </a:r>
+          </a:p>
+          <a:p>
+            <a:pPr marL="457200" indent="-457200">
+              <a:buFont typeface="+mj-lt"/>
+              <a:buAutoNum type="arabicPeriod"/>
+            </a:pPr>
+            <a:r>
+              <a:rPr lang="en-US" sz="2200" dirty="0"/>
+              <a:t>Discussion: More Object-Oriented Programming </a:t>
             </a:r>
           </a:p>
           <a:p>
